--- a/PPT/7 Clasificación de imágenes usando Deep Learning en ML.NET.pptx
+++ b/PPT/7 Clasificación de imágenes usando Deep Learning en ML.NET.pptx
@@ -195,44 +195,9 @@
 <file path=ppt/revisionInfo.xml><?xml version="1.0" encoding="utf-8"?>
 <p1510:revInfo xmlns:a="http://schemas.openxmlformats.org/drawingml/2006/main" xmlns:r="http://schemas.openxmlformats.org/officeDocument/2006/relationships" xmlns:p1510="http://schemas.microsoft.com/office/powerpoint/2015/10/main">
   <p1510:revLst>
-    <p1510:client id="{99404EA8-F06B-4D8D-A3AF-A0284AA2BAA8}" v="1" dt="2021-01-10T15:20:01.136"/>
+    <p1510:client id="{0DF3AFFA-2728-4D4C-9471-0595B1388AD2}" v="2" dt="2021-01-10T19:49:20.762"/>
   </p1510:revLst>
 </p1510:revInfo>
-</file>
-
-<file path=ppt/changesInfos/changesInfo1.xml><?xml version="1.0" encoding="utf-8"?>
-<pc:chgInfo xmlns:a="http://schemas.openxmlformats.org/drawingml/2006/main" xmlns:r="http://schemas.openxmlformats.org/officeDocument/2006/relationships" xmlns:ac="http://schemas.microsoft.com/office/drawing/2013/main/command" xmlns:pc="http://schemas.microsoft.com/office/powerpoint/2013/main/command">
-  <pc:docChgLst>
-    <pc:chgData name="Roberto Tejero" userId="df99c9947d6af889" providerId="LiveId" clId="{99404EA8-F06B-4D8D-A3AF-A0284AA2BAA8}"/>
-    <pc:docChg chg="addSld delSld modSld modSection">
-      <pc:chgData name="Roberto Tejero" userId="df99c9947d6af889" providerId="LiveId" clId="{99404EA8-F06B-4D8D-A3AF-A0284AA2BAA8}" dt="2021-01-10T15:20:04.741" v="2" actId="47"/>
-      <pc:docMkLst>
-        <pc:docMk/>
-      </pc:docMkLst>
-      <pc:sldChg chg="del">
-        <pc:chgData name="Roberto Tejero" userId="df99c9947d6af889" providerId="LiveId" clId="{99404EA8-F06B-4D8D-A3AF-A0284AA2BAA8}" dt="2021-01-10T15:20:04.051" v="1" actId="47"/>
-        <pc:sldMkLst>
-          <pc:docMk/>
-          <pc:sldMk cId="3448830755" sldId="2076136256"/>
-        </pc:sldMkLst>
-      </pc:sldChg>
-      <pc:sldChg chg="del">
-        <pc:chgData name="Roberto Tejero" userId="df99c9947d6af889" providerId="LiveId" clId="{99404EA8-F06B-4D8D-A3AF-A0284AA2BAA8}" dt="2021-01-10T15:20:04.741" v="2" actId="47"/>
-        <pc:sldMkLst>
-          <pc:docMk/>
-          <pc:sldMk cId="124482935" sldId="2076136261"/>
-        </pc:sldMkLst>
-      </pc:sldChg>
-      <pc:sldChg chg="add">
-        <pc:chgData name="Roberto Tejero" userId="df99c9947d6af889" providerId="LiveId" clId="{99404EA8-F06B-4D8D-A3AF-A0284AA2BAA8}" dt="2021-01-10T15:20:01.133" v="0"/>
-        <pc:sldMkLst>
-          <pc:docMk/>
-          <pc:sldMk cId="2166614377" sldId="2076136263"/>
-        </pc:sldMkLst>
-      </pc:sldChg>
-    </pc:docChg>
-  </pc:docChgLst>
-</pc:chgInfo>
 </file>
 
 <file path=ppt/handoutMasters/handoutMaster1.xml><?xml version="1.0" encoding="utf-8"?>
@@ -321,7 +286,7 @@
               <a:rPr lang="en-US" smtClean="0">
                 <a:latin typeface="Segoe UI" pitchFamily="34" charset="0"/>
               </a:rPr>
-              <a:t>1/10/2021 4:20 PM</a:t>
+              <a:t>1/10/2021 8:59 PM</a:t>
             </a:fld>
             <a:endParaRPr lang="en-US">
               <a:latin typeface="Segoe UI" pitchFamily="34" charset="0"/>
@@ -599,7 +564,7 @@
           <a:p>
             <a:fld id="{386CE63F-9E7F-4C04-9D0D-FCA25A8E9E86}" type="datetime8">
               <a:rPr lang="en-US" smtClean="0"/>
-              <a:t>1/10/2021 4:19 PM</a:t>
+              <a:t>1/10/2021 8:58 PM</a:t>
             </a:fld>
             <a:endParaRPr lang="en-US"/>
           </a:p>
@@ -43033,8 +42998,8 @@
         </p:nvSpPr>
         <p:spPr>
           <a:xfrm>
-            <a:off x="584196" y="2138411"/>
-            <a:ext cx="4956705" cy="1107996"/>
+            <a:off x="584196" y="1030416"/>
+            <a:ext cx="4956705" cy="2215991"/>
           </a:xfrm>
         </p:spPr>
         <p:txBody>
@@ -43042,20 +43007,16 @@
           <a:lstStyle/>
           <a:p>
             <a:r>
+              <a:rPr lang="es-ES" dirty="0"/>
+              <a:t>Clasificación de imágenes usando Deep </a:t>
+            </a:r>
+            <a:r>
               <a:rPr lang="es-ES" dirty="0" err="1"/>
-              <a:t>Interactua</a:t>
+              <a:t>Learning</a:t>
             </a:r>
             <a:r>
               <a:rPr lang="es-ES" dirty="0"/>
-              <a:t> con </a:t>
-            </a:r>
-            <a:r>
-              <a:rPr lang="es-ES" dirty="0" err="1"/>
-              <a:t>AzureML</a:t>
-            </a:r>
-            <a:r>
-              <a:rPr lang="es-ES" dirty="0"/>
-              <a:t> en remoto</a:t>
+              <a:t> en ML.NET</a:t>
             </a:r>
           </a:p>
         </p:txBody>
@@ -43083,8 +43044,13 @@
           <a:p>
             <a:r>
               <a:rPr lang="es-ES" dirty="0"/>
-              <a:t>Roberto Navarro</a:t>
+              <a:t>Luis </a:t>
             </a:r>
+            <a:r>
+              <a:rPr lang="es-ES" dirty="0" err="1"/>
+              <a:t>Beltran</a:t>
+            </a:r>
+            <a:endParaRPr lang="es-ES" dirty="0"/>
           </a:p>
         </p:txBody>
       </p:sp>
@@ -43153,8 +43119,28 @@
           <a:lstStyle/>
           <a:p>
             <a:r>
-              <a:rPr lang="pt-BR" dirty="0"/>
-              <a:t>Arquitecto BigData e IA @Kabel</a:t>
+              <a:rPr lang="es-ES" dirty="0"/>
+              <a:t>Microsoft MVP | </a:t>
+            </a:r>
+            <a:r>
+              <a:rPr lang="es-ES" dirty="0" err="1"/>
+              <a:t>Xamarin</a:t>
+            </a:r>
+            <a:r>
+              <a:rPr lang="es-ES" dirty="0"/>
+              <a:t> </a:t>
+            </a:r>
+            <a:r>
+              <a:rPr lang="es-ES" dirty="0" err="1"/>
+              <a:t>Certified</a:t>
+            </a:r>
+            <a:r>
+              <a:rPr lang="es-ES" dirty="0"/>
+              <a:t> Mobile </a:t>
+            </a:r>
+            <a:r>
+              <a:rPr lang="es-ES" dirty="0" err="1"/>
+              <a:t>Developer</a:t>
             </a:r>
             <a:endParaRPr lang="es-ES" dirty="0"/>
           </a:p>
@@ -43163,7 +43149,7 @@
     </p:spTree>
     <p:extLst>
       <p:ext uri="{BB962C8B-B14F-4D97-AF65-F5344CB8AC3E}">
-        <p14:creationId xmlns:p14="http://schemas.microsoft.com/office/powerpoint/2010/main" val="2166614377"/>
+        <p14:creationId xmlns:p14="http://schemas.microsoft.com/office/powerpoint/2010/main" val="1332719226"/>
       </p:ext>
     </p:extLst>
   </p:cSld>
@@ -43541,12 +43527,28 @@
             <p:ph type="title"/>
           </p:nvPr>
         </p:nvSpPr>
-        <p:spPr/>
+        <p:spPr>
+          <a:xfrm>
+            <a:off x="762991" y="1184815"/>
+            <a:ext cx="4075714" cy="1292662"/>
+          </a:xfrm>
+        </p:spPr>
         <p:txBody>
           <a:bodyPr/>
           <a:lstStyle/>
           <a:p>
-            <a:endParaRPr lang="es-ES"/>
+            <a:r>
+              <a:rPr lang="es-ES" dirty="0"/>
+              <a:t>Clasificación de imágenes usando Deep </a:t>
+            </a:r>
+            <a:r>
+              <a:rPr lang="es-ES" dirty="0" err="1"/>
+              <a:t>Learning</a:t>
+            </a:r>
+            <a:r>
+              <a:rPr lang="es-ES" dirty="0"/>
+              <a:t> en ML.NET</a:t>
+            </a:r>
           </a:p>
         </p:txBody>
       </p:sp>
@@ -43571,16 +43573,24 @@
           <a:bodyPr/>
           <a:lstStyle/>
           <a:p>
-            <a:endParaRPr lang="es-ES"/>
+            <a:r>
+              <a:rPr lang="es-ES" dirty="0"/>
+              <a:t>Luis </a:t>
+            </a:r>
+            <a:r>
+              <a:rPr lang="es-ES" dirty="0" err="1"/>
+              <a:t>Beltran</a:t>
+            </a:r>
+            <a:endParaRPr lang="es-ES" dirty="0"/>
           </a:p>
         </p:txBody>
       </p:sp>
       <p:sp>
         <p:nvSpPr>
-          <p:cNvPr id="5" name="Marcador de texto 4">
+          <p:cNvPr id="9" name="Marcador de texto 8">
             <a:extLst>
               <a:ext uri="{FF2B5EF4-FFF2-40B4-BE49-F238E27FC236}">
-                <a16:creationId xmlns:a16="http://schemas.microsoft.com/office/drawing/2014/main" id="{087C93F1-B345-43F6-88F9-A852BDE767E4}"/>
+                <a16:creationId xmlns:a16="http://schemas.microsoft.com/office/drawing/2014/main" id="{19C21C93-0604-4BB4-B60F-E6E6E80B083A}"/>
               </a:ext>
             </a:extLst>
           </p:cNvPr>
@@ -43591,62 +43601,41 @@
             <p:ph type="body" sz="quarter" idx="15"/>
           </p:nvPr>
         </p:nvSpPr>
-        <p:spPr/>
+        <p:spPr>
+          <a:xfrm>
+            <a:off x="763587" y="3287486"/>
+            <a:ext cx="4359955" cy="128814"/>
+          </a:xfrm>
+        </p:spPr>
         <p:txBody>
           <a:bodyPr/>
           <a:lstStyle/>
           <a:p>
-            <a:endParaRPr lang="es-ES"/>
-          </a:p>
-        </p:txBody>
-      </p:sp>
-      <p:sp>
-        <p:nvSpPr>
-          <p:cNvPr id="7" name="Marcador de texto 6">
-            <a:extLst>
-              <a:ext uri="{FF2B5EF4-FFF2-40B4-BE49-F238E27FC236}">
-                <a16:creationId xmlns:a16="http://schemas.microsoft.com/office/drawing/2014/main" id="{8EF35D44-2C5B-40E9-B454-F56774A87418}"/>
-              </a:ext>
-            </a:extLst>
-          </p:cNvPr>
-          <p:cNvSpPr>
-            <a:spLocks noGrp="1"/>
-          </p:cNvSpPr>
-          <p:nvPr>
-            <p:ph type="body" sz="quarter" idx="16"/>
-          </p:nvPr>
-        </p:nvSpPr>
-        <p:spPr/>
-        <p:txBody>
-          <a:bodyPr/>
-          <a:lstStyle/>
-          <a:p>
-            <a:endParaRPr lang="es-ES"/>
-          </a:p>
-        </p:txBody>
-      </p:sp>
-      <p:sp>
-        <p:nvSpPr>
-          <p:cNvPr id="8" name="Marcador de texto 7">
-            <a:extLst>
-              <a:ext uri="{FF2B5EF4-FFF2-40B4-BE49-F238E27FC236}">
-                <a16:creationId xmlns:a16="http://schemas.microsoft.com/office/drawing/2014/main" id="{B5A653BA-DCA7-4396-B752-FF12285E0B37}"/>
-              </a:ext>
-            </a:extLst>
-          </p:cNvPr>
-          <p:cNvSpPr>
-            <a:spLocks noGrp="1"/>
-          </p:cNvSpPr>
-          <p:nvPr>
-            <p:ph type="body" sz="quarter" idx="17"/>
-          </p:nvPr>
-        </p:nvSpPr>
-        <p:spPr/>
-        <p:txBody>
-          <a:bodyPr/>
-          <a:lstStyle/>
-          <a:p>
-            <a:endParaRPr lang="es-ES"/>
+            <a:r>
+              <a:rPr lang="es-ES" dirty="0"/>
+              <a:t>Microsoft MVP | </a:t>
+            </a:r>
+            <a:r>
+              <a:rPr lang="es-ES" dirty="0" err="1"/>
+              <a:t>Xamarin</a:t>
+            </a:r>
+            <a:r>
+              <a:rPr lang="es-ES" dirty="0"/>
+              <a:t> </a:t>
+            </a:r>
+            <a:r>
+              <a:rPr lang="es-ES" dirty="0" err="1"/>
+              <a:t>Certified</a:t>
+            </a:r>
+            <a:r>
+              <a:rPr lang="es-ES" dirty="0"/>
+              <a:t> Mobile </a:t>
+            </a:r>
+            <a:r>
+              <a:rPr lang="es-ES" dirty="0" err="1"/>
+              <a:t>Developer</a:t>
+            </a:r>
+            <a:endParaRPr lang="es-ES" dirty="0"/>
           </a:p>
         </p:txBody>
       </p:sp>
@@ -45112,15 +45101,6 @@
 </file>
 
 <file path=customXml/item1.xml><?xml version="1.0" encoding="utf-8"?>
-<?mso-contentType ?>
-<FormTemplates xmlns="http://schemas.microsoft.com/sharepoint/v3/contenttype/forms">
-  <Display>DocumentLibraryForm</Display>
-  <Edit>DocumentLibraryForm</Edit>
-  <New>DocumentLibraryForm</New>
-</FormTemplates>
-</file>
-
-<file path=customXml/item2.xml><?xml version="1.0" encoding="utf-8"?>
 <ct:contentTypeSchema xmlns:ct="http://schemas.microsoft.com/office/2006/metadata/contentType" xmlns:ma="http://schemas.microsoft.com/office/2006/metadata/properties/metaAttributes" ct:_="" ma:_="" ma:contentTypeName="PresentationsDoc" ma:contentTypeID="0x010100606EF5350B4AC34299E527B9221D6B5E001A2DF7EB5935C14F830206357EC2322C" ma:contentTypeVersion="34" ma:contentTypeDescription="" ma:contentTypeScope="" ma:versionID="b48d6a27735be7714bdd88c81c28b068">
   <xsd:schema xmlns:xsd="http://www.w3.org/2001/XMLSchema" xmlns:xs="http://www.w3.org/2001/XMLSchema" xmlns:p="http://schemas.microsoft.com/office/2006/metadata/properties" xmlns:ns1="http://schemas.microsoft.com/sharepoint/v3" xmlns:ns2="5a4b3278-325d-441a-b38f-6f1926bc734e" xmlns:ns3="230e9df3-be65-4c73-a93b-d1236ebd677e" xmlns:ns5="9d1f81f6-e953-47ea-988e-33ed651c58e6" targetNamespace="http://schemas.microsoft.com/office/2006/metadata/properties" ma:root="true" ma:fieldsID="61aa76b7b235bae3242d4a7e9080af88" ns1:_="" ns2:_="" ns3:_="" ns5:_="">
     <xsd:import namespace="http://schemas.microsoft.com/sharepoint/v3"/>
@@ -45541,7 +45521,7 @@
 </ct:contentTypeSchema>
 </file>
 
-<file path=customXml/item3.xml><?xml version="1.0" encoding="utf-8"?>
+<file path=customXml/item2.xml><?xml version="1.0" encoding="utf-8"?>
 <p:properties xmlns:p="http://schemas.microsoft.com/office/2006/metadata/properties" xmlns:xsi="http://www.w3.org/2001/XMLSchema-instance" xmlns:pc="http://schemas.microsoft.com/office/infopath/2007/PartnerControls">
   <documentManagement>
     <_ip_UnifiedCompliancePolicyUIAction xmlns="http://schemas.microsoft.com/sharepoint/v3" xsi:nil="true"/>
@@ -45603,15 +45583,16 @@
 </p:properties>
 </file>
 
-<file path=customXml/itemProps1.xml><?xml version="1.0" encoding="utf-8"?>
-<ds:datastoreItem xmlns:ds="http://schemas.openxmlformats.org/officeDocument/2006/customXml" ds:itemID="{758FDAC0-319D-4A54-8D8E-1D42CB1F8004}">
-  <ds:schemaRefs>
-    <ds:schemaRef ds:uri="http://schemas.microsoft.com/sharepoint/v3/contenttype/forms"/>
-  </ds:schemaRefs>
-</ds:datastoreItem>
+<file path=customXml/item3.xml><?xml version="1.0" encoding="utf-8"?>
+<?mso-contentType ?>
+<FormTemplates xmlns="http://schemas.microsoft.com/sharepoint/v3/contenttype/forms">
+  <Display>DocumentLibraryForm</Display>
+  <Edit>DocumentLibraryForm</Edit>
+  <New>DocumentLibraryForm</New>
+</FormTemplates>
 </file>
 
-<file path=customXml/itemProps2.xml><?xml version="1.0" encoding="utf-8"?>
+<file path=customXml/itemProps1.xml><?xml version="1.0" encoding="utf-8"?>
 <ds:datastoreItem xmlns:ds="http://schemas.openxmlformats.org/officeDocument/2006/customXml" ds:itemID="{625FD152-D4B9-485B-9213-BB78FF8ABCB4}">
   <ds:schemaRefs>
     <ds:schemaRef ds:uri="http://schemas.microsoft.com/office/2006/metadata/contentType"/>
@@ -45632,7 +45613,7 @@
 </ds:datastoreItem>
 </file>
 
-<file path=customXml/itemProps3.xml><?xml version="1.0" encoding="utf-8"?>
+<file path=customXml/itemProps2.xml><?xml version="1.0" encoding="utf-8"?>
 <ds:datastoreItem xmlns:ds="http://schemas.openxmlformats.org/officeDocument/2006/customXml" ds:itemID="{F990F116-B58F-4255-B05B-DA3808E0E5C6}">
   <ds:schemaRefs>
     <ds:schemaRef ds:uri="12239fb0-26c0-4a37-b790-6c81fba9d0fc"/>
@@ -45651,4 +45632,12 @@
     <ds:schemaRef ds:uri="230e9df3-be65-4c73-a93b-d1236ebd677e"/>
   </ds:schemaRefs>
 </ds:datastoreItem>
+</file>
+
+<file path=customXml/itemProps3.xml><?xml version="1.0" encoding="utf-8"?>
+<ds:datastoreItem xmlns:ds="http://schemas.openxmlformats.org/officeDocument/2006/customXml" ds:itemID="{758FDAC0-319D-4A54-8D8E-1D42CB1F8004}">
+  <ds:schemaRefs>
+    <ds:schemaRef ds:uri="http://schemas.microsoft.com/sharepoint/v3/contenttype/forms"/>
+  </ds:schemaRefs>
+</ds:datastoreItem>
 </file>
--- a/PPT/7 Clasificación de imágenes usando Deep Learning en ML.NET.pptx
+++ b/PPT/7 Clasificación de imágenes usando Deep Learning en ML.NET.pptx
@@ -286,7 +286,7 @@
               <a:rPr lang="en-US" smtClean="0">
                 <a:latin typeface="Segoe UI" pitchFamily="34" charset="0"/>
               </a:rPr>
-              <a:t>1/10/2021 8:59 PM</a:t>
+              <a:t>1/11/2021 10:12 AM</a:t>
             </a:fld>
             <a:endParaRPr lang="en-US">
               <a:latin typeface="Segoe UI" pitchFamily="34" charset="0"/>
@@ -375,7 +375,7 @@
               <a:rPr lang="en-US" smtClean="0">
                 <a:latin typeface="Segoe UI" pitchFamily="34" charset="0"/>
               </a:rPr>
-              <a:t>‹#›</a:t>
+              <a:t>‹Nº›</a:t>
             </a:fld>
             <a:endParaRPr lang="en-US">
               <a:latin typeface="Segoe UI" pitchFamily="34" charset="0"/>
@@ -564,7 +564,7 @@
           <a:p>
             <a:fld id="{386CE63F-9E7F-4C04-9D0D-FCA25A8E9E86}" type="datetime8">
               <a:rPr lang="en-US" smtClean="0"/>
-              <a:t>1/10/2021 8:58 PM</a:t>
+              <a:t>1/11/2021 10:12 AM</a:t>
             </a:fld>
             <a:endParaRPr lang="en-US"/>
           </a:p>
@@ -661,7 +661,7 @@
             <a:fld id="{B4008EB6-D09E-4580-8CD6-DDB14511944F}" type="slidenum">
               <a:rPr lang="en-US" smtClean="0"/>
               <a:pPr/>
-              <a:t>‹#›</a:t>
+              <a:t>‹Nº›</a:t>
             </a:fld>
             <a:endParaRPr lang="en-US"/>
           </a:p>
@@ -2032,216 +2032,6 @@
       </p:sp>
       <p:pic>
         <p:nvPicPr>
-          <p:cNvPr id="42" name="Imagen 41">
-            <a:extLst>
-              <a:ext uri="{FF2B5EF4-FFF2-40B4-BE49-F238E27FC236}">
-                <a16:creationId xmlns:a16="http://schemas.microsoft.com/office/drawing/2014/main" id="{CFE36E5C-300D-43C3-BE61-452D23910E7A}"/>
-              </a:ext>
-            </a:extLst>
-          </p:cNvPr>
-          <p:cNvPicPr>
-            <a:picLocks noChangeAspect="1"/>
-          </p:cNvPicPr>
-          <p:nvPr userDrawn="1"/>
-        </p:nvPicPr>
-        <p:blipFill>
-          <a:blip r:embed="rId8"/>
-          <a:stretch>
-            <a:fillRect/>
-          </a:stretch>
-        </p:blipFill>
-        <p:spPr>
-          <a:xfrm>
-            <a:off x="6038054" y="5126102"/>
-            <a:ext cx="2243624" cy="690346"/>
-          </a:xfrm>
-          <a:prstGeom prst="rect">
-            <a:avLst/>
-          </a:prstGeom>
-        </p:spPr>
-      </p:pic>
-      <p:pic>
-        <p:nvPicPr>
-          <p:cNvPr id="43" name="Imagen 42">
-            <a:extLst>
-              <a:ext uri="{FF2B5EF4-FFF2-40B4-BE49-F238E27FC236}">
-                <a16:creationId xmlns:a16="http://schemas.microsoft.com/office/drawing/2014/main" id="{1E5521AC-4CAB-411F-AC1B-1FC08331F083}"/>
-              </a:ext>
-            </a:extLst>
-          </p:cNvPr>
-          <p:cNvPicPr>
-            <a:picLocks noChangeAspect="1"/>
-          </p:cNvPicPr>
-          <p:nvPr userDrawn="1"/>
-        </p:nvPicPr>
-        <p:blipFill>
-          <a:blip r:embed="rId9"/>
-          <a:stretch>
-            <a:fillRect/>
-          </a:stretch>
-        </p:blipFill>
-        <p:spPr>
-          <a:xfrm>
-            <a:off x="8539558" y="5733198"/>
-            <a:ext cx="1582743" cy="586201"/>
-          </a:xfrm>
-          <a:prstGeom prst="rect">
-            <a:avLst/>
-          </a:prstGeom>
-        </p:spPr>
-      </p:pic>
-      <p:pic>
-        <p:nvPicPr>
-          <p:cNvPr id="44" name="Imagen 43">
-            <a:extLst>
-              <a:ext uri="{FF2B5EF4-FFF2-40B4-BE49-F238E27FC236}">
-                <a16:creationId xmlns:a16="http://schemas.microsoft.com/office/drawing/2014/main" id="{11316E2E-3D77-4C04-B311-6A3BC810876B}"/>
-              </a:ext>
-            </a:extLst>
-          </p:cNvPr>
-          <p:cNvPicPr>
-            <a:picLocks noChangeAspect="1"/>
-          </p:cNvPicPr>
-          <p:nvPr userDrawn="1"/>
-        </p:nvPicPr>
-        <p:blipFill>
-          <a:blip r:embed="rId10"/>
-          <a:stretch>
-            <a:fillRect/>
-          </a:stretch>
-        </p:blipFill>
-        <p:spPr>
-          <a:xfrm>
-            <a:off x="1494915" y="5537785"/>
-            <a:ext cx="2015855" cy="620263"/>
-          </a:xfrm>
-          <a:prstGeom prst="rect">
-            <a:avLst/>
-          </a:prstGeom>
-        </p:spPr>
-      </p:pic>
-      <p:pic>
-        <p:nvPicPr>
-          <p:cNvPr id="45" name="Imagen 44">
-            <a:extLst>
-              <a:ext uri="{FF2B5EF4-FFF2-40B4-BE49-F238E27FC236}">
-                <a16:creationId xmlns:a16="http://schemas.microsoft.com/office/drawing/2014/main" id="{27698EF9-7487-44AD-80EC-BF4C4D09A750}"/>
-              </a:ext>
-            </a:extLst>
-          </p:cNvPr>
-          <p:cNvPicPr>
-            <a:picLocks noChangeAspect="1"/>
-          </p:cNvPicPr>
-          <p:nvPr userDrawn="1"/>
-        </p:nvPicPr>
-        <p:blipFill>
-          <a:blip r:embed="rId11"/>
-          <a:stretch>
-            <a:fillRect/>
-          </a:stretch>
-        </p:blipFill>
-        <p:spPr>
-          <a:xfrm>
-            <a:off x="3816249" y="5203641"/>
-            <a:ext cx="2144054" cy="560669"/>
-          </a:xfrm>
-          <a:prstGeom prst="rect">
-            <a:avLst/>
-          </a:prstGeom>
-        </p:spPr>
-      </p:pic>
-      <p:pic>
-        <p:nvPicPr>
-          <p:cNvPr id="46" name="Imagen 45">
-            <a:extLst>
-              <a:ext uri="{FF2B5EF4-FFF2-40B4-BE49-F238E27FC236}">
-                <a16:creationId xmlns:a16="http://schemas.microsoft.com/office/drawing/2014/main" id="{6F0DF829-9E01-4878-8C8F-E8F7AD4159ED}"/>
-              </a:ext>
-            </a:extLst>
-          </p:cNvPr>
-          <p:cNvPicPr>
-            <a:picLocks noChangeAspect="1"/>
-          </p:cNvPicPr>
-          <p:nvPr userDrawn="1"/>
-        </p:nvPicPr>
-        <p:blipFill>
-          <a:blip r:embed="rId12"/>
-          <a:stretch>
-            <a:fillRect/>
-          </a:stretch>
-        </p:blipFill>
-        <p:spPr>
-          <a:xfrm>
-            <a:off x="3860320" y="5847917"/>
-            <a:ext cx="1905154" cy="586201"/>
-          </a:xfrm>
-          <a:prstGeom prst="rect">
-            <a:avLst/>
-          </a:prstGeom>
-        </p:spPr>
-      </p:pic>
-      <p:pic>
-        <p:nvPicPr>
-          <p:cNvPr id="52" name="Imagen 51">
-            <a:extLst>
-              <a:ext uri="{FF2B5EF4-FFF2-40B4-BE49-F238E27FC236}">
-                <a16:creationId xmlns:a16="http://schemas.microsoft.com/office/drawing/2014/main" id="{999BD06F-0AD4-4E45-B274-E87BA24F79BC}"/>
-              </a:ext>
-            </a:extLst>
-          </p:cNvPr>
-          <p:cNvPicPr>
-            <a:picLocks noChangeAspect="1"/>
-          </p:cNvPicPr>
-          <p:nvPr userDrawn="1"/>
-        </p:nvPicPr>
-        <p:blipFill>
-          <a:blip r:embed="rId13"/>
-          <a:stretch>
-            <a:fillRect/>
-          </a:stretch>
-        </p:blipFill>
-        <p:spPr>
-          <a:xfrm>
-            <a:off x="6259691" y="5936432"/>
-            <a:ext cx="1800350" cy="409170"/>
-          </a:xfrm>
-          <a:prstGeom prst="rect">
-            <a:avLst/>
-          </a:prstGeom>
-        </p:spPr>
-      </p:pic>
-      <p:pic>
-        <p:nvPicPr>
-          <p:cNvPr id="53" name="Imagen 52">
-            <a:extLst>
-              <a:ext uri="{FF2B5EF4-FFF2-40B4-BE49-F238E27FC236}">
-                <a16:creationId xmlns:a16="http://schemas.microsoft.com/office/drawing/2014/main" id="{B732E62D-65E0-4AF3-9F73-267A09BF660E}"/>
-              </a:ext>
-            </a:extLst>
-          </p:cNvPr>
-          <p:cNvPicPr>
-            <a:picLocks noChangeAspect="1"/>
-          </p:cNvPicPr>
-          <p:nvPr userDrawn="1"/>
-        </p:nvPicPr>
-        <p:blipFill>
-          <a:blip r:embed="rId14"/>
-          <a:stretch>
-            <a:fillRect/>
-          </a:stretch>
-        </p:blipFill>
-        <p:spPr>
-          <a:xfrm>
-            <a:off x="8411164" y="5047695"/>
-            <a:ext cx="1839530" cy="567666"/>
-          </a:xfrm>
-          <a:prstGeom prst="rect">
-            <a:avLst/>
-          </a:prstGeom>
-        </p:spPr>
-      </p:pic>
-      <p:pic>
-        <p:nvPicPr>
           <p:cNvPr id="55" name="Gráfico 54">
             <a:extLst>
               <a:ext uri="{FF2B5EF4-FFF2-40B4-BE49-F238E27FC236}">
@@ -2255,10 +2045,10 @@
           <p:nvPr userDrawn="1"/>
         </p:nvPicPr>
         <p:blipFill>
-          <a:blip r:embed="rId15">
+          <a:blip r:embed="rId8">
             <a:extLst>
               <a:ext uri="{96DAC541-7B7A-43D3-8B79-37D633B846F1}">
-                <asvg:svgBlip xmlns:asvg="http://schemas.microsoft.com/office/drawing/2016/SVG/main" r:embed="rId16"/>
+                <asvg:svgBlip xmlns:asvg="http://schemas.microsoft.com/office/drawing/2016/SVG/main" r:embed="rId9"/>
               </a:ext>
             </a:extLst>
           </a:blip>
@@ -2291,10 +2081,10 @@
           <p:nvPr userDrawn="1"/>
         </p:nvPicPr>
         <p:blipFill>
-          <a:blip r:embed="rId17">
+          <a:blip r:embed="rId10">
             <a:extLst>
               <a:ext uri="{96DAC541-7B7A-43D3-8B79-37D633B846F1}">
-                <asvg:svgBlip xmlns:asvg="http://schemas.microsoft.com/office/drawing/2016/SVG/main" r:embed="rId18"/>
+                <asvg:svgBlip xmlns:asvg="http://schemas.microsoft.com/office/drawing/2016/SVG/main" r:embed="rId11"/>
               </a:ext>
             </a:extLst>
           </a:blip>
@@ -2306,6 +2096,246 @@
           <a:xfrm>
             <a:off x="5501889" y="2377869"/>
             <a:ext cx="1851408" cy="1347955"/>
+          </a:xfrm>
+          <a:prstGeom prst="rect">
+            <a:avLst/>
+          </a:prstGeom>
+        </p:spPr>
+      </p:pic>
+      <p:pic>
+        <p:nvPicPr>
+          <p:cNvPr id="22" name="Imagen 21">
+            <a:extLst>
+              <a:ext uri="{FF2B5EF4-FFF2-40B4-BE49-F238E27FC236}">
+                <a16:creationId xmlns:a16="http://schemas.microsoft.com/office/drawing/2014/main" id="{2ACB71BB-3056-49D8-8CDE-D4511A82A84F}"/>
+              </a:ext>
+            </a:extLst>
+          </p:cNvPr>
+          <p:cNvPicPr>
+            <a:picLocks noChangeAspect="1"/>
+          </p:cNvPicPr>
+          <p:nvPr userDrawn="1"/>
+        </p:nvPicPr>
+        <p:blipFill>
+          <a:blip r:embed="rId12"/>
+          <a:stretch>
+            <a:fillRect/>
+          </a:stretch>
+        </p:blipFill>
+        <p:spPr>
+          <a:xfrm>
+            <a:off x="6280496" y="5133072"/>
+            <a:ext cx="2243624" cy="690346"/>
+          </a:xfrm>
+          <a:prstGeom prst="rect">
+            <a:avLst/>
+          </a:prstGeom>
+        </p:spPr>
+      </p:pic>
+      <p:pic>
+        <p:nvPicPr>
+          <p:cNvPr id="23" name="Imagen 22">
+            <a:extLst>
+              <a:ext uri="{FF2B5EF4-FFF2-40B4-BE49-F238E27FC236}">
+                <a16:creationId xmlns:a16="http://schemas.microsoft.com/office/drawing/2014/main" id="{6AEE7BAD-F1B8-490B-862A-1F8F6EC02EFD}"/>
+              </a:ext>
+            </a:extLst>
+          </p:cNvPr>
+          <p:cNvPicPr>
+            <a:picLocks noChangeAspect="1"/>
+          </p:cNvPicPr>
+          <p:nvPr userDrawn="1"/>
+        </p:nvPicPr>
+        <p:blipFill>
+          <a:blip r:embed="rId13"/>
+          <a:stretch>
+            <a:fillRect/>
+          </a:stretch>
+        </p:blipFill>
+        <p:spPr>
+          <a:xfrm>
+            <a:off x="6585173" y="5797267"/>
+            <a:ext cx="1582743" cy="586201"/>
+          </a:xfrm>
+          <a:prstGeom prst="rect">
+            <a:avLst/>
+          </a:prstGeom>
+        </p:spPr>
+      </p:pic>
+      <p:pic>
+        <p:nvPicPr>
+          <p:cNvPr id="24" name="Imagen 23">
+            <a:extLst>
+              <a:ext uri="{FF2B5EF4-FFF2-40B4-BE49-F238E27FC236}">
+                <a16:creationId xmlns:a16="http://schemas.microsoft.com/office/drawing/2014/main" id="{CAD6FDE1-4D57-4F1C-B034-0CF9DD647C38}"/>
+              </a:ext>
+            </a:extLst>
+          </p:cNvPr>
+          <p:cNvPicPr>
+            <a:picLocks noChangeAspect="1"/>
+          </p:cNvPicPr>
+          <p:nvPr userDrawn="1"/>
+        </p:nvPicPr>
+        <p:blipFill>
+          <a:blip r:embed="rId14"/>
+          <a:stretch>
+            <a:fillRect/>
+          </a:stretch>
+        </p:blipFill>
+        <p:spPr>
+          <a:xfrm>
+            <a:off x="1742944" y="5168113"/>
+            <a:ext cx="2015855" cy="620263"/>
+          </a:xfrm>
+          <a:prstGeom prst="rect">
+            <a:avLst/>
+          </a:prstGeom>
+        </p:spPr>
+      </p:pic>
+      <p:pic>
+        <p:nvPicPr>
+          <p:cNvPr id="25" name="Imagen 24">
+            <a:extLst>
+              <a:ext uri="{FF2B5EF4-FFF2-40B4-BE49-F238E27FC236}">
+                <a16:creationId xmlns:a16="http://schemas.microsoft.com/office/drawing/2014/main" id="{46ACD7D1-CEEC-4693-B5D1-B24950AB93E0}"/>
+              </a:ext>
+            </a:extLst>
+          </p:cNvPr>
+          <p:cNvPicPr>
+            <a:picLocks noChangeAspect="1"/>
+          </p:cNvPicPr>
+          <p:nvPr userDrawn="1"/>
+        </p:nvPicPr>
+        <p:blipFill>
+          <a:blip r:embed="rId15"/>
+          <a:stretch>
+            <a:fillRect/>
+          </a:stretch>
+        </p:blipFill>
+        <p:spPr>
+          <a:xfrm>
+            <a:off x="4058691" y="5210611"/>
+            <a:ext cx="2144054" cy="560669"/>
+          </a:xfrm>
+          <a:prstGeom prst="rect">
+            <a:avLst/>
+          </a:prstGeom>
+        </p:spPr>
+      </p:pic>
+      <p:pic>
+        <p:nvPicPr>
+          <p:cNvPr id="26" name="Imagen 25">
+            <a:extLst>
+              <a:ext uri="{FF2B5EF4-FFF2-40B4-BE49-F238E27FC236}">
+                <a16:creationId xmlns:a16="http://schemas.microsoft.com/office/drawing/2014/main" id="{4E310E47-0133-4356-A546-B57560A5CECE}"/>
+              </a:ext>
+            </a:extLst>
+          </p:cNvPr>
+          <p:cNvPicPr>
+            <a:picLocks noChangeAspect="1"/>
+          </p:cNvPicPr>
+          <p:nvPr userDrawn="1"/>
+        </p:nvPicPr>
+        <p:blipFill>
+          <a:blip r:embed="rId16"/>
+          <a:stretch>
+            <a:fillRect/>
+          </a:stretch>
+        </p:blipFill>
+        <p:spPr>
+          <a:xfrm>
+            <a:off x="1946157" y="5911986"/>
+            <a:ext cx="1905154" cy="586201"/>
+          </a:xfrm>
+          <a:prstGeom prst="rect">
+            <a:avLst/>
+          </a:prstGeom>
+        </p:spPr>
+      </p:pic>
+      <p:pic>
+        <p:nvPicPr>
+          <p:cNvPr id="29" name="Imagen 28">
+            <a:extLst>
+              <a:ext uri="{FF2B5EF4-FFF2-40B4-BE49-F238E27FC236}">
+                <a16:creationId xmlns:a16="http://schemas.microsoft.com/office/drawing/2014/main" id="{9EAA3BB3-D937-4F9C-AB23-B9DC63DAB2BD}"/>
+              </a:ext>
+            </a:extLst>
+          </p:cNvPr>
+          <p:cNvPicPr>
+            <a:picLocks noChangeAspect="1"/>
+          </p:cNvPicPr>
+          <p:nvPr userDrawn="1"/>
+        </p:nvPicPr>
+        <p:blipFill>
+          <a:blip r:embed="rId17"/>
+          <a:stretch>
+            <a:fillRect/>
+          </a:stretch>
+        </p:blipFill>
+        <p:spPr>
+          <a:xfrm>
+            <a:off x="4305306" y="6000501"/>
+            <a:ext cx="1800350" cy="409170"/>
+          </a:xfrm>
+          <a:prstGeom prst="rect">
+            <a:avLst/>
+          </a:prstGeom>
+        </p:spPr>
+      </p:pic>
+      <p:pic>
+        <p:nvPicPr>
+          <p:cNvPr id="30" name="Imagen 29">
+            <a:extLst>
+              <a:ext uri="{FF2B5EF4-FFF2-40B4-BE49-F238E27FC236}">
+                <a16:creationId xmlns:a16="http://schemas.microsoft.com/office/drawing/2014/main" id="{D1D564C8-BDB2-40C4-9A35-5C963F7B0A00}"/>
+              </a:ext>
+            </a:extLst>
+          </p:cNvPr>
+          <p:cNvPicPr>
+            <a:picLocks noChangeAspect="1"/>
+          </p:cNvPicPr>
+          <p:nvPr userDrawn="1"/>
+        </p:nvPicPr>
+        <p:blipFill>
+          <a:blip r:embed="rId18"/>
+          <a:stretch>
+            <a:fillRect/>
+          </a:stretch>
+        </p:blipFill>
+        <p:spPr>
+          <a:xfrm>
+            <a:off x="8653606" y="5054665"/>
+            <a:ext cx="1839530" cy="567666"/>
+          </a:xfrm>
+          <a:prstGeom prst="rect">
+            <a:avLst/>
+          </a:prstGeom>
+        </p:spPr>
+      </p:pic>
+      <p:pic>
+        <p:nvPicPr>
+          <p:cNvPr id="32" name="Imagen 31">
+            <a:extLst>
+              <a:ext uri="{FF2B5EF4-FFF2-40B4-BE49-F238E27FC236}">
+                <a16:creationId xmlns:a16="http://schemas.microsoft.com/office/drawing/2014/main" id="{6BFF238D-6655-47B0-B48F-DE0890607E2B}"/>
+              </a:ext>
+            </a:extLst>
+          </p:cNvPr>
+          <p:cNvPicPr>
+            <a:picLocks noChangeAspect="1"/>
+          </p:cNvPicPr>
+          <p:nvPr userDrawn="1"/>
+        </p:nvPicPr>
+        <p:blipFill>
+          <a:blip r:embed="rId19"/>
+          <a:stretch>
+            <a:fillRect/>
+          </a:stretch>
+        </p:blipFill>
+        <p:spPr>
+          <a:xfrm>
+            <a:off x="8647433" y="5788376"/>
+            <a:ext cx="1839529" cy="634175"/>
           </a:xfrm>
           <a:prstGeom prst="rect">
             <a:avLst/>
@@ -25587,10 +25617,10 @@
       </p:graphicFrame>
       <p:pic>
         <p:nvPicPr>
-          <p:cNvPr id="27" name="Imagen 26">
+          <p:cNvPr id="14" name="Imagen 13">
             <a:extLst>
               <a:ext uri="{FF2B5EF4-FFF2-40B4-BE49-F238E27FC236}">
-                <a16:creationId xmlns:a16="http://schemas.microsoft.com/office/drawing/2014/main" id="{00C8D22B-6FB1-44B3-9B2A-665925B181E4}"/>
+                <a16:creationId xmlns:a16="http://schemas.microsoft.com/office/drawing/2014/main" id="{466F974F-8F3F-48E6-B75B-66BACD78F51B}"/>
               </a:ext>
             </a:extLst>
           </p:cNvPr>
@@ -25607,7 +25637,7 @@
         </p:blipFill>
         <p:spPr>
           <a:xfrm>
-            <a:off x="501323" y="5106327"/>
+            <a:off x="535251" y="4091351"/>
             <a:ext cx="3299139" cy="1015120"/>
           </a:xfrm>
           <a:prstGeom prst="rect">
@@ -25617,10 +25647,10 @@
       </p:pic>
       <p:pic>
         <p:nvPicPr>
-          <p:cNvPr id="35" name="Imagen 34">
+          <p:cNvPr id="15" name="Imagen 14">
             <a:extLst>
               <a:ext uri="{FF2B5EF4-FFF2-40B4-BE49-F238E27FC236}">
-                <a16:creationId xmlns:a16="http://schemas.microsoft.com/office/drawing/2014/main" id="{B20103D2-6A8D-4961-A9FC-C645273D36EA}"/>
+                <a16:creationId xmlns:a16="http://schemas.microsoft.com/office/drawing/2014/main" id="{C1B88CCD-58CA-45E8-8993-6FE6C4766627}"/>
               </a:ext>
             </a:extLst>
           </p:cNvPr>
@@ -25637,8 +25667,8 @@
         </p:blipFill>
         <p:spPr>
           <a:xfrm>
-            <a:off x="4795788" y="2889461"/>
-            <a:ext cx="2964216" cy="912066"/>
+            <a:off x="836952" y="5359947"/>
+            <a:ext cx="3152727" cy="824437"/>
           </a:xfrm>
           <a:prstGeom prst="rect">
             <a:avLst/>
@@ -25647,10 +25677,10 @@
       </p:pic>
       <p:pic>
         <p:nvPicPr>
-          <p:cNvPr id="36" name="Imagen 35">
+          <p:cNvPr id="16" name="Imagen 15">
             <a:extLst>
               <a:ext uri="{FF2B5EF4-FFF2-40B4-BE49-F238E27FC236}">
-                <a16:creationId xmlns:a16="http://schemas.microsoft.com/office/drawing/2014/main" id="{06B717A3-D1D7-4E20-8A78-D374F2E8165E}"/>
+                <a16:creationId xmlns:a16="http://schemas.microsoft.com/office/drawing/2014/main" id="{33687EBD-3D4D-40DA-AFC6-FFC7CCC74632}"/>
               </a:ext>
             </a:extLst>
           </p:cNvPr>
@@ -25667,8 +25697,8 @@
         </p:blipFill>
         <p:spPr>
           <a:xfrm>
-            <a:off x="4770299" y="4103833"/>
-            <a:ext cx="3152727" cy="824437"/>
+            <a:off x="8701034" y="3081791"/>
+            <a:ext cx="2801436" cy="861980"/>
           </a:xfrm>
           <a:prstGeom prst="rect">
             <a:avLst/>
@@ -25677,10 +25707,10 @@
       </p:pic>
       <p:pic>
         <p:nvPicPr>
-          <p:cNvPr id="37" name="Imagen 36">
+          <p:cNvPr id="17" name="Imagen 16">
             <a:extLst>
               <a:ext uri="{FF2B5EF4-FFF2-40B4-BE49-F238E27FC236}">
-                <a16:creationId xmlns:a16="http://schemas.microsoft.com/office/drawing/2014/main" id="{4F6582C8-181F-45AB-8FDC-D2A5D1DE0868}"/>
+                <a16:creationId xmlns:a16="http://schemas.microsoft.com/office/drawing/2014/main" id="{611E6043-BAA1-4B61-98E6-17DFC111BD25}"/>
               </a:ext>
             </a:extLst>
           </p:cNvPr>
@@ -25697,8 +25727,8 @@
         </p:blipFill>
         <p:spPr>
           <a:xfrm>
-            <a:off x="8656795" y="4066290"/>
-            <a:ext cx="2801436" cy="861980"/>
+            <a:off x="9075344" y="3970682"/>
+            <a:ext cx="2327347" cy="861980"/>
           </a:xfrm>
           <a:prstGeom prst="rect">
             <a:avLst/>
@@ -25707,10 +25737,10 @@
       </p:pic>
       <p:pic>
         <p:nvPicPr>
-          <p:cNvPr id="38" name="Imagen 37">
+          <p:cNvPr id="18" name="Imagen 17">
             <a:extLst>
               <a:ext uri="{FF2B5EF4-FFF2-40B4-BE49-F238E27FC236}">
-                <a16:creationId xmlns:a16="http://schemas.microsoft.com/office/drawing/2014/main" id="{6286BA83-1331-4607-A514-6A7126E17B69}"/>
+                <a16:creationId xmlns:a16="http://schemas.microsoft.com/office/drawing/2014/main" id="{F1B2C3BE-BAAA-4B37-A12B-914183930AE9}"/>
               </a:ext>
             </a:extLst>
           </p:cNvPr>
@@ -25727,8 +25757,8 @@
         </p:blipFill>
         <p:spPr>
           <a:xfrm>
-            <a:off x="8892861" y="5034166"/>
-            <a:ext cx="2327347" cy="861980"/>
+            <a:off x="5003367" y="4755776"/>
+            <a:ext cx="2647327" cy="601665"/>
           </a:xfrm>
           <a:prstGeom prst="rect">
             <a:avLst/>
@@ -25737,10 +25767,10 @@
       </p:pic>
       <p:pic>
         <p:nvPicPr>
-          <p:cNvPr id="39" name="Imagen 38">
+          <p:cNvPr id="19" name="Imagen 18">
             <a:extLst>
               <a:ext uri="{FF2B5EF4-FFF2-40B4-BE49-F238E27FC236}">
-                <a16:creationId xmlns:a16="http://schemas.microsoft.com/office/drawing/2014/main" id="{C38881CE-ACE0-4F86-BDCB-651601AB78BD}"/>
+                <a16:creationId xmlns:a16="http://schemas.microsoft.com/office/drawing/2014/main" id="{7E1A4A75-4C8C-43F1-913A-DF7B0D9ECD1F}"/>
               </a:ext>
             </a:extLst>
           </p:cNvPr>
@@ -25757,8 +25787,8 @@
         </p:blipFill>
         <p:spPr>
           <a:xfrm>
-            <a:off x="5022998" y="5313055"/>
-            <a:ext cx="2647327" cy="601665"/>
+            <a:off x="1025219" y="3037343"/>
+            <a:ext cx="2594132" cy="800532"/>
           </a:xfrm>
           <a:prstGeom prst="rect">
             <a:avLst/>
@@ -25767,10 +25797,10 @@
       </p:pic>
       <p:pic>
         <p:nvPicPr>
-          <p:cNvPr id="40" name="Imagen 39">
+          <p:cNvPr id="20" name="Imagen 19">
             <a:extLst>
               <a:ext uri="{FF2B5EF4-FFF2-40B4-BE49-F238E27FC236}">
-                <a16:creationId xmlns:a16="http://schemas.microsoft.com/office/drawing/2014/main" id="{4F953C2C-6DFB-43C8-882C-B32DB0BB29D6}"/>
+                <a16:creationId xmlns:a16="http://schemas.microsoft.com/office/drawing/2014/main" id="{8A3B38F4-7CA2-43D0-8441-1819CE9DF0F1}"/>
               </a:ext>
             </a:extLst>
           </p:cNvPr>
@@ -25787,8 +25817,38 @@
         </p:blipFill>
         <p:spPr>
           <a:xfrm>
-            <a:off x="941074" y="4020721"/>
-            <a:ext cx="2594132" cy="800532"/>
+            <a:off x="9010948" y="5213153"/>
+            <a:ext cx="2391743" cy="824551"/>
+          </a:xfrm>
+          <a:prstGeom prst="rect">
+            <a:avLst/>
+          </a:prstGeom>
+        </p:spPr>
+      </p:pic>
+      <p:pic>
+        <p:nvPicPr>
+          <p:cNvPr id="21" name="Imagen 20">
+            <a:extLst>
+              <a:ext uri="{FF2B5EF4-FFF2-40B4-BE49-F238E27FC236}">
+                <a16:creationId xmlns:a16="http://schemas.microsoft.com/office/drawing/2014/main" id="{82BF4DAC-854D-41BE-A124-97E2E1AB42A9}"/>
+              </a:ext>
+            </a:extLst>
+          </p:cNvPr>
+          <p:cNvPicPr>
+            <a:picLocks noChangeAspect="1"/>
+          </p:cNvPicPr>
+          <p:nvPr userDrawn="1"/>
+        </p:nvPicPr>
+        <p:blipFill>
+          <a:blip r:embed="rId16"/>
+          <a:stretch>
+            <a:fillRect/>
+          </a:stretch>
+        </p:blipFill>
+        <p:spPr>
+          <a:xfrm>
+            <a:off x="4831769" y="3336406"/>
+            <a:ext cx="2964216" cy="912066"/>
           </a:xfrm>
           <a:prstGeom prst="rect">
             <a:avLst/>
